--- a/Project ppt.pptx
+++ b/Project ppt.pptx
@@ -2167,7 +2167,7 @@
     <a:masterClrMapping/>
   </p:clrMapOvr>
   <mc:AlternateContent xmlns:mc="http://schemas.openxmlformats.org/markup-compatibility/2006">
-    <mc:Choice xmlns:p15="http://schemas.microsoft.com/office/powerpoint/2012/main" xmlns:p14="http://schemas.microsoft.com/office/powerpoint/2010/main" xmlns="" Requires="p14">
+    <mc:Choice xmlns="" xmlns:p14="http://schemas.microsoft.com/office/powerpoint/2010/main" xmlns:p15="http://schemas.microsoft.com/office/powerpoint/2012/main" Requires="p14">
       <p:transition spd="slow" p14:dur="2000"/>
     </mc:Choice>
     <mc:Fallback>
@@ -2542,7 +2542,7 @@
     <a:masterClrMapping/>
   </p:clrMapOvr>
   <mc:AlternateContent xmlns:mc="http://schemas.openxmlformats.org/markup-compatibility/2006">
-    <mc:Choice xmlns:p15="http://schemas.microsoft.com/office/powerpoint/2012/main" xmlns:p14="http://schemas.microsoft.com/office/powerpoint/2010/main" xmlns="" Requires="p14">
+    <mc:Choice xmlns="" xmlns:p14="http://schemas.microsoft.com/office/powerpoint/2010/main" xmlns:p15="http://schemas.microsoft.com/office/powerpoint/2012/main" Requires="p14">
       <p:transition spd="slow" p14:dur="2000"/>
     </mc:Choice>
     <mc:Fallback>
@@ -2716,7 +2716,7 @@
     <a:masterClrMapping/>
   </p:clrMapOvr>
   <mc:AlternateContent xmlns:mc="http://schemas.openxmlformats.org/markup-compatibility/2006">
-    <mc:Choice xmlns:p15="http://schemas.microsoft.com/office/powerpoint/2012/main" xmlns:p14="http://schemas.microsoft.com/office/powerpoint/2010/main" xmlns="" Requires="p14">
+    <mc:Choice xmlns="" xmlns:p14="http://schemas.microsoft.com/office/powerpoint/2010/main" xmlns:p15="http://schemas.microsoft.com/office/powerpoint/2012/main" Requires="p14">
       <p:transition spd="slow" p14:dur="2000"/>
     </mc:Choice>
     <mc:Fallback>
@@ -2831,7 +2831,7 @@
     <a:masterClrMapping/>
   </p:clrMapOvr>
   <mc:AlternateContent xmlns:mc="http://schemas.openxmlformats.org/markup-compatibility/2006">
-    <mc:Choice xmlns:p15="http://schemas.microsoft.com/office/powerpoint/2012/main" xmlns:p14="http://schemas.microsoft.com/office/powerpoint/2010/main" xmlns="" Requires="p14">
+    <mc:Choice xmlns="" xmlns:p14="http://schemas.microsoft.com/office/powerpoint/2010/main" xmlns:p15="http://schemas.microsoft.com/office/powerpoint/2012/main" Requires="p14">
       <p:transition spd="slow" p14:dur="2000"/>
     </mc:Choice>
     <mc:Fallback>
@@ -2946,7 +2946,7 @@
     <a:masterClrMapping/>
   </p:clrMapOvr>
   <mc:AlternateContent xmlns:mc="http://schemas.openxmlformats.org/markup-compatibility/2006">
-    <mc:Choice xmlns:p15="http://schemas.microsoft.com/office/powerpoint/2012/main" xmlns:p14="http://schemas.microsoft.com/office/powerpoint/2010/main" xmlns="" Requires="p14">
+    <mc:Choice xmlns="" xmlns:p14="http://schemas.microsoft.com/office/powerpoint/2010/main" xmlns:p15="http://schemas.microsoft.com/office/powerpoint/2012/main" Requires="p14">
       <p:transition spd="slow" p14:dur="2000"/>
     </mc:Choice>
     <mc:Fallback>
@@ -3061,7 +3061,7 @@
     <a:masterClrMapping/>
   </p:clrMapOvr>
   <mc:AlternateContent xmlns:mc="http://schemas.openxmlformats.org/markup-compatibility/2006">
-    <mc:Choice xmlns:p15="http://schemas.microsoft.com/office/powerpoint/2012/main" xmlns:p14="http://schemas.microsoft.com/office/powerpoint/2010/main" xmlns="" Requires="p14">
+    <mc:Choice xmlns="" xmlns:p14="http://schemas.microsoft.com/office/powerpoint/2010/main" xmlns:p15="http://schemas.microsoft.com/office/powerpoint/2012/main" Requires="p14">
       <p:transition spd="slow" p14:dur="2000"/>
     </mc:Choice>
     <mc:Fallback>
@@ -3176,7 +3176,7 @@
     <a:masterClrMapping/>
   </p:clrMapOvr>
   <mc:AlternateContent xmlns:mc="http://schemas.openxmlformats.org/markup-compatibility/2006">
-    <mc:Choice xmlns:p15="http://schemas.microsoft.com/office/powerpoint/2012/main" xmlns:p14="http://schemas.microsoft.com/office/powerpoint/2010/main" xmlns="" Requires="p14">
+    <mc:Choice xmlns="" xmlns:p14="http://schemas.microsoft.com/office/powerpoint/2010/main" xmlns:p15="http://schemas.microsoft.com/office/powerpoint/2012/main" Requires="p14">
       <p:transition spd="slow" p14:dur="2000"/>
     </mc:Choice>
     <mc:Fallback>
@@ -3291,7 +3291,7 @@
     <a:masterClrMapping/>
   </p:clrMapOvr>
   <mc:AlternateContent xmlns:mc="http://schemas.openxmlformats.org/markup-compatibility/2006">
-    <mc:Choice xmlns:p15="http://schemas.microsoft.com/office/powerpoint/2012/main" xmlns:p14="http://schemas.microsoft.com/office/powerpoint/2010/main" xmlns="" Requires="p14">
+    <mc:Choice xmlns="" xmlns:p14="http://schemas.microsoft.com/office/powerpoint/2010/main" xmlns:p15="http://schemas.microsoft.com/office/powerpoint/2012/main" Requires="p14">
       <p:transition spd="slow" p14:dur="2000"/>
     </mc:Choice>
     <mc:Fallback>
@@ -3406,7 +3406,7 @@
     <a:masterClrMapping/>
   </p:clrMapOvr>
   <mc:AlternateContent xmlns:mc="http://schemas.openxmlformats.org/markup-compatibility/2006">
-    <mc:Choice xmlns:p15="http://schemas.microsoft.com/office/powerpoint/2012/main" xmlns:p14="http://schemas.microsoft.com/office/powerpoint/2010/main" xmlns="" Requires="p14">
+    <mc:Choice xmlns="" xmlns:p14="http://schemas.microsoft.com/office/powerpoint/2010/main" xmlns:p15="http://schemas.microsoft.com/office/powerpoint/2012/main" Requires="p14">
       <p:transition spd="slow" p14:dur="2000"/>
     </mc:Choice>
     <mc:Fallback>
@@ -3521,7 +3521,7 @@
     <a:masterClrMapping/>
   </p:clrMapOvr>
   <mc:AlternateContent xmlns:mc="http://schemas.openxmlformats.org/markup-compatibility/2006">
-    <mc:Choice xmlns:p15="http://schemas.microsoft.com/office/powerpoint/2012/main" xmlns:p14="http://schemas.microsoft.com/office/powerpoint/2010/main" xmlns="" Requires="p14">
+    <mc:Choice xmlns="" xmlns:p14="http://schemas.microsoft.com/office/powerpoint/2010/main" xmlns:p15="http://schemas.microsoft.com/office/powerpoint/2012/main" Requires="p14">
       <p:transition spd="slow" p14:dur="2000"/>
     </mc:Choice>
     <mc:Fallback>
@@ -3796,7 +3796,7 @@
     <a:masterClrMapping/>
   </p:clrMapOvr>
   <mc:AlternateContent xmlns:mc="http://schemas.openxmlformats.org/markup-compatibility/2006">
-    <mc:Choice xmlns:p15="http://schemas.microsoft.com/office/powerpoint/2012/main" xmlns:p14="http://schemas.microsoft.com/office/powerpoint/2010/main" xmlns="" Requires="p14">
+    <mc:Choice xmlns="" xmlns:p14="http://schemas.microsoft.com/office/powerpoint/2010/main" xmlns:p15="http://schemas.microsoft.com/office/powerpoint/2012/main" Requires="p14">
       <p:transition spd="slow" p14:dur="2000"/>
     </mc:Choice>
     <mc:Fallback>
@@ -4241,7 +4241,7 @@
     <a:masterClrMapping/>
   </p:clrMapOvr>
   <mc:AlternateContent xmlns:mc="http://schemas.openxmlformats.org/markup-compatibility/2006">
-    <mc:Choice xmlns:p15="http://schemas.microsoft.com/office/powerpoint/2012/main" xmlns:p14="http://schemas.microsoft.com/office/powerpoint/2010/main" xmlns="" Requires="p14">
+    <mc:Choice xmlns="" xmlns:p14="http://schemas.microsoft.com/office/powerpoint/2010/main" xmlns:p15="http://schemas.microsoft.com/office/powerpoint/2012/main" Requires="p14">
       <p:transition spd="slow" p14:dur="2000"/>
     </mc:Choice>
     <mc:Fallback>
@@ -4601,7 +4601,7 @@
     <a:masterClrMapping/>
   </p:clrMapOvr>
   <mc:AlternateContent xmlns:mc="http://schemas.openxmlformats.org/markup-compatibility/2006">
-    <mc:Choice xmlns:p15="http://schemas.microsoft.com/office/powerpoint/2012/main" xmlns:p14="http://schemas.microsoft.com/office/powerpoint/2010/main" xmlns="" Requires="p14">
+    <mc:Choice xmlns="" xmlns:p14="http://schemas.microsoft.com/office/powerpoint/2010/main" xmlns:p15="http://schemas.microsoft.com/office/powerpoint/2012/main" Requires="p14">
       <p:transition spd="slow" p14:dur="2000"/>
     </mc:Choice>
     <mc:Fallback>
@@ -4721,7 +4721,7 @@
     <a:masterClrMapping/>
   </p:clrMapOvr>
   <mc:AlternateContent xmlns:mc="http://schemas.openxmlformats.org/markup-compatibility/2006">
-    <mc:Choice xmlns:p15="http://schemas.microsoft.com/office/powerpoint/2012/main" xmlns:p14="http://schemas.microsoft.com/office/powerpoint/2010/main" xmlns="" Requires="p14">
+    <mc:Choice xmlns="" xmlns:p14="http://schemas.microsoft.com/office/powerpoint/2010/main" xmlns:p15="http://schemas.microsoft.com/office/powerpoint/2012/main" Requires="p14">
       <p:transition spd="slow" p14:dur="2000"/>
     </mc:Choice>
     <mc:Fallback>
@@ -5446,7 +5446,7 @@
     <a:masterClrMapping/>
   </p:clrMapOvr>
   <mc:AlternateContent xmlns:mc="http://schemas.openxmlformats.org/markup-compatibility/2006">
-    <mc:Choice xmlns:p15="http://schemas.microsoft.com/office/powerpoint/2012/main" xmlns:p14="http://schemas.microsoft.com/office/powerpoint/2010/main" xmlns="" Requires="p14">
+    <mc:Choice xmlns="" xmlns:p14="http://schemas.microsoft.com/office/powerpoint/2010/main" xmlns:p15="http://schemas.microsoft.com/office/powerpoint/2012/main" Requires="p14">
       <p:transition spd="slow" p14:dur="2000"/>
     </mc:Choice>
     <mc:Fallback>
@@ -5564,7 +5564,7 @@
         </p:style>
         <p:txBody>
           <a:bodyPr lIns="90000" tIns="45000" rIns="90000" bIns="45000">
-            <a:normAutofit fontScale="85000" lnSpcReduction="10000"/>
+            <a:normAutofit fontScale="85000" lnSpcReduction="20000"/>
           </a:bodyPr>
           <a:lstStyle/>
           <a:p>
@@ -5730,7 +5730,7 @@
     <a:masterClrMapping/>
   </p:clrMapOvr>
   <mc:AlternateContent xmlns:mc="http://schemas.openxmlformats.org/markup-compatibility/2006">
-    <mc:Choice xmlns:p15="http://schemas.microsoft.com/office/powerpoint/2012/main" xmlns:p14="http://schemas.microsoft.com/office/powerpoint/2010/main" xmlns="" Requires="p14">
+    <mc:Choice xmlns="" xmlns:p14="http://schemas.microsoft.com/office/powerpoint/2010/main" xmlns:p15="http://schemas.microsoft.com/office/powerpoint/2012/main" Requires="p14">
       <p:transition spd="slow" p14:dur="2000"/>
     </mc:Choice>
     <mc:Fallback>
@@ -6129,7 +6129,7 @@
     <a:masterClrMapping/>
   </p:clrMapOvr>
   <mc:AlternateContent xmlns:mc="http://schemas.openxmlformats.org/markup-compatibility/2006">
-    <mc:Choice xmlns:p15="http://schemas.microsoft.com/office/powerpoint/2012/main" xmlns:p14="http://schemas.microsoft.com/office/powerpoint/2010/main" xmlns="" Requires="p14">
+    <mc:Choice xmlns="" xmlns:p14="http://schemas.microsoft.com/office/powerpoint/2010/main" xmlns:p15="http://schemas.microsoft.com/office/powerpoint/2012/main" Requires="p14">
       <p:transition spd="slow" p14:dur="2000"/>
     </mc:Choice>
     <mc:Fallback>
@@ -6243,7 +6243,7 @@
     <a:masterClrMapping/>
   </p:clrMapOvr>
   <mc:AlternateContent xmlns:mc="http://schemas.openxmlformats.org/markup-compatibility/2006">
-    <mc:Choice xmlns:p15="http://schemas.microsoft.com/office/powerpoint/2012/main" xmlns:p14="http://schemas.microsoft.com/office/powerpoint/2010/main" xmlns="" Requires="p14">
+    <mc:Choice xmlns="" xmlns:p14="http://schemas.microsoft.com/office/powerpoint/2010/main" xmlns:p15="http://schemas.microsoft.com/office/powerpoint/2012/main" Requires="p14">
       <p:transition spd="slow" p14:dur="2000"/>
     </mc:Choice>
     <mc:Fallback>
@@ -6805,7 +6805,7 @@
     <a:masterClrMapping/>
   </p:clrMapOvr>
   <mc:AlternateContent xmlns:mc="http://schemas.openxmlformats.org/markup-compatibility/2006">
-    <mc:Choice xmlns:p15="http://schemas.microsoft.com/office/powerpoint/2012/main" xmlns:p14="http://schemas.microsoft.com/office/powerpoint/2010/main" xmlns="" Requires="p14">
+    <mc:Choice xmlns="" xmlns:p14="http://schemas.microsoft.com/office/powerpoint/2010/main" xmlns:p15="http://schemas.microsoft.com/office/powerpoint/2012/main" Requires="p14">
       <p:transition spd="slow" p14:dur="2000"/>
     </mc:Choice>
     <mc:Fallback>
@@ -7017,7 +7017,7 @@
     <a:masterClrMapping/>
   </p:clrMapOvr>
   <mc:AlternateContent xmlns:mc="http://schemas.openxmlformats.org/markup-compatibility/2006">
-    <mc:Choice xmlns:p15="http://schemas.microsoft.com/office/powerpoint/2012/main" xmlns:p14="http://schemas.microsoft.com/office/powerpoint/2010/main" xmlns="" Requires="p14">
+    <mc:Choice xmlns="" xmlns:p14="http://schemas.microsoft.com/office/powerpoint/2010/main" xmlns:p15="http://schemas.microsoft.com/office/powerpoint/2012/main" Requires="p14">
       <p:transition spd="slow" p14:dur="2000"/>
     </mc:Choice>
     <mc:Fallback>
@@ -7154,6 +7154,26 @@
               <a:buChar char="•"/>
             </a:pPr>
             <a:r>
+              <a:rPr lang="en-IN" sz="2400" spc="-1" smtClean="0">
+                <a:solidFill>
+                  <a:srgbClr val="000000"/>
+                </a:solidFill>
+                <a:latin typeface="Times New Roman"/>
+                <a:ea typeface="Times New Roman"/>
+              </a:rPr>
+              <a:t>Online</a:t>
+            </a:r>
+            <a:r>
+              <a:rPr lang="en-IN" sz="2400" b="0" strike="noStrike" spc="-1" smtClean="0">
+                <a:solidFill>
+                  <a:srgbClr val="000000"/>
+                </a:solidFill>
+                <a:latin typeface="Times New Roman"/>
+                <a:ea typeface="Times New Roman"/>
+              </a:rPr>
+              <a:t>-Barber </a:t>
+            </a:r>
+            <a:r>
               <a:rPr lang="en-IN" sz="2400" b="0" strike="noStrike" spc="-1">
                 <a:solidFill>
                   <a:srgbClr val="000000"/>
@@ -7161,9 +7181,9 @@
                 <a:latin typeface="Times New Roman"/>
                 <a:ea typeface="Times New Roman"/>
               </a:rPr>
-              <a:t>E-Barber Shop system is responsible for providing best services, flexible time slot and daily services and time changes with the affordable prices on specified.</a:t>
-            </a:r>
-            <a:endParaRPr lang="en-US" sz="2400" b="0" strike="noStrike" spc="-1">
+              <a:t>Shop system is responsible for providing best services, flexible time slot and daily services and time changes with the affordable prices on specified.</a:t>
+            </a:r>
+            <a:endParaRPr lang="en-US" sz="2400" b="0" strike="noStrike" spc="-1" dirty="0">
               <a:latin typeface="Arial"/>
             </a:endParaRPr>
           </a:p>
@@ -7183,7 +7203,7 @@
               <a:buChar char="•"/>
             </a:pPr>
             <a:r>
-              <a:rPr lang="en-IN" sz="2400" b="0" strike="noStrike" spc="-1">
+              <a:rPr lang="en-IN" sz="2400" b="0" strike="noStrike" spc="-1" dirty="0">
                 <a:solidFill>
                   <a:srgbClr val="000000"/>
                 </a:solidFill>
@@ -7192,7 +7212,7 @@
               </a:rPr>
               <a:t>The application provides facility to add/remove/slot and services items at shop. It also provides facility where customers can mention their queries/complaints in reviews.</a:t>
             </a:r>
-            <a:endParaRPr lang="en-US" sz="2400" b="0" strike="noStrike" spc="-1">
+            <a:endParaRPr lang="en-US" sz="2400" b="0" strike="noStrike" spc="-1" dirty="0">
               <a:latin typeface="Arial"/>
             </a:endParaRPr>
           </a:p>
@@ -7205,7 +7225,7 @@
                 <a:spcPts val="479"/>
               </a:spcBef>
             </a:pPr>
-            <a:endParaRPr lang="en-US" sz="2400" b="0" strike="noStrike" spc="-1">
+            <a:endParaRPr lang="en-US" sz="2400" b="0" strike="noStrike" spc="-1" dirty="0">
               <a:latin typeface="Arial"/>
             </a:endParaRPr>
           </a:p>
@@ -7218,7 +7238,7 @@
                 <a:spcPts val="479"/>
               </a:spcBef>
             </a:pPr>
-            <a:endParaRPr lang="en-US" sz="2400" b="0" strike="noStrike" spc="-1">
+            <a:endParaRPr lang="en-US" sz="2400" b="0" strike="noStrike" spc="-1" dirty="0">
               <a:latin typeface="Arial"/>
             </a:endParaRPr>
           </a:p>
@@ -7231,7 +7251,7 @@
                 <a:spcPts val="479"/>
               </a:spcBef>
             </a:pPr>
-            <a:endParaRPr lang="en-US" sz="2400" b="0" strike="noStrike" spc="-1">
+            <a:endParaRPr lang="en-US" sz="2400" b="0" strike="noStrike" spc="-1" dirty="0">
               <a:latin typeface="Arial"/>
             </a:endParaRPr>
           </a:p>
@@ -7244,7 +7264,7 @@
                 <a:spcPts val="479"/>
               </a:spcBef>
             </a:pPr>
-            <a:endParaRPr lang="en-US" sz="2400" b="0" strike="noStrike" spc="-1">
+            <a:endParaRPr lang="en-US" sz="2400" b="0" strike="noStrike" spc="-1" dirty="0">
               <a:latin typeface="Arial"/>
             </a:endParaRPr>
           </a:p>
@@ -7256,7 +7276,7 @@
     <a:masterClrMapping/>
   </p:clrMapOvr>
   <mc:AlternateContent xmlns:mc="http://schemas.openxmlformats.org/markup-compatibility/2006">
-    <mc:Choice xmlns:p15="http://schemas.microsoft.com/office/powerpoint/2012/main" xmlns:p14="http://schemas.microsoft.com/office/powerpoint/2010/main" xmlns="" Requires="p14">
+    <mc:Choice xmlns="" xmlns:p14="http://schemas.microsoft.com/office/powerpoint/2010/main" xmlns:p15="http://schemas.microsoft.com/office/powerpoint/2012/main" Requires="p14">
       <p:transition spd="slow" p14:dur="2000"/>
     </mc:Choice>
     <mc:Fallback>
